--- a/Projekt Dokumente/UI Design/design.pptx
+++ b/Projekt Dokumente/UI Design/design.pptx
@@ -113,6 +113,10 @@
 </p:presentation>
 </file>
 
+<file path=ppt/revisionInfo.xml><?xml version="1.0" encoding="utf-8"?>
+<p1510:revInfo xmlns:a="http://schemas.openxmlformats.org/drawingml/2006/main" xmlns:r="http://schemas.openxmlformats.org/officeDocument/2006/relationships" xmlns:p1510="http://schemas.microsoft.com/office/powerpoint/2015/10/main"/>
+</file>
+
 <file path=ppt/slideLayouts/slideLayout1.xml><?xml version="1.0" encoding="utf-8"?>
 <p:sldLayout xmlns:a="http://schemas.openxmlformats.org/drawingml/2006/main" xmlns:r="http://schemas.openxmlformats.org/officeDocument/2006/relationships" xmlns:p="http://schemas.openxmlformats.org/presentationml/2006/main" type="title" preserve="1">
   <p:cSld name="Title Slide">
@@ -155,7 +159,7 @@
           </a:lstStyle>
           <a:p>
             <a:r>
-              <a:rPr lang="en-US" smtClean="0"/>
+              <a:rPr lang="en-US"/>
               <a:t>Click to edit Master title style</a:t>
             </a:r>
             <a:endParaRPr lang="de-CH"/>
@@ -220,7 +224,7 @@
           </a:lstStyle>
           <a:p>
             <a:r>
-              <a:rPr lang="en-US" smtClean="0"/>
+              <a:rPr lang="en-US"/>
               <a:t>Click to edit Master subtitle style</a:t>
             </a:r>
             <a:endParaRPr lang="de-CH"/>
@@ -244,7 +248,7 @@
           <a:p>
             <a:fld id="{590CA38B-E4D6-4204-9F38-FC952F977C01}" type="datetimeFigureOut">
               <a:rPr lang="de-CH" smtClean="0"/>
-              <a:t>05.12.2017</a:t>
+              <a:t>06.12.2017</a:t>
             </a:fld>
             <a:endParaRPr lang="de-CH"/>
           </a:p>
@@ -286,7 +290,7 @@
           <a:p>
             <a:fld id="{6DD48726-7B78-4323-A94E-E577AA0E0A6F}" type="slidenum">
               <a:rPr lang="de-CH" smtClean="0"/>
-              <a:t>‹#›</a:t>
+              <a:t>‹Nr.›</a:t>
             </a:fld>
             <a:endParaRPr lang="de-CH"/>
           </a:p>
@@ -338,7 +342,7 @@
           <a:lstStyle/>
           <a:p>
             <a:r>
-              <a:rPr lang="en-US" smtClean="0"/>
+              <a:rPr lang="en-US"/>
               <a:t>Click to edit Master title style</a:t>
             </a:r>
             <a:endParaRPr lang="de-CH"/>
@@ -362,35 +366,35 @@
           <a:p>
             <a:pPr lvl="0"/>
             <a:r>
-              <a:rPr lang="en-US" smtClean="0"/>
+              <a:rPr lang="en-US"/>
               <a:t>Click to edit Master text styles</a:t>
             </a:r>
           </a:p>
           <a:p>
             <a:pPr lvl="1"/>
             <a:r>
-              <a:rPr lang="en-US" smtClean="0"/>
+              <a:rPr lang="en-US"/>
               <a:t>Second level</a:t>
             </a:r>
           </a:p>
           <a:p>
             <a:pPr lvl="2"/>
             <a:r>
-              <a:rPr lang="en-US" smtClean="0"/>
+              <a:rPr lang="en-US"/>
               <a:t>Third level</a:t>
             </a:r>
           </a:p>
           <a:p>
             <a:pPr lvl="3"/>
             <a:r>
-              <a:rPr lang="en-US" smtClean="0"/>
+              <a:rPr lang="en-US"/>
               <a:t>Fourth level</a:t>
             </a:r>
           </a:p>
           <a:p>
             <a:pPr lvl="4"/>
             <a:r>
-              <a:rPr lang="en-US" smtClean="0"/>
+              <a:rPr lang="en-US"/>
               <a:t>Fifth level</a:t>
             </a:r>
             <a:endParaRPr lang="de-CH"/>
@@ -414,7 +418,7 @@
           <a:p>
             <a:fld id="{590CA38B-E4D6-4204-9F38-FC952F977C01}" type="datetimeFigureOut">
               <a:rPr lang="de-CH" smtClean="0"/>
-              <a:t>05.12.2017</a:t>
+              <a:t>06.12.2017</a:t>
             </a:fld>
             <a:endParaRPr lang="de-CH"/>
           </a:p>
@@ -456,7 +460,7 @@
           <a:p>
             <a:fld id="{6DD48726-7B78-4323-A94E-E577AA0E0A6F}" type="slidenum">
               <a:rPr lang="de-CH" smtClean="0"/>
-              <a:t>‹#›</a:t>
+              <a:t>‹Nr.›</a:t>
             </a:fld>
             <a:endParaRPr lang="de-CH"/>
           </a:p>
@@ -513,7 +517,7 @@
           <a:lstStyle/>
           <a:p>
             <a:r>
-              <a:rPr lang="en-US" smtClean="0"/>
+              <a:rPr lang="en-US"/>
               <a:t>Click to edit Master title style</a:t>
             </a:r>
             <a:endParaRPr lang="de-CH"/>
@@ -542,35 +546,35 @@
           <a:p>
             <a:pPr lvl="0"/>
             <a:r>
-              <a:rPr lang="en-US" smtClean="0"/>
+              <a:rPr lang="en-US"/>
               <a:t>Click to edit Master text styles</a:t>
             </a:r>
           </a:p>
           <a:p>
             <a:pPr lvl="1"/>
             <a:r>
-              <a:rPr lang="en-US" smtClean="0"/>
+              <a:rPr lang="en-US"/>
               <a:t>Second level</a:t>
             </a:r>
           </a:p>
           <a:p>
             <a:pPr lvl="2"/>
             <a:r>
-              <a:rPr lang="en-US" smtClean="0"/>
+              <a:rPr lang="en-US"/>
               <a:t>Third level</a:t>
             </a:r>
           </a:p>
           <a:p>
             <a:pPr lvl="3"/>
             <a:r>
-              <a:rPr lang="en-US" smtClean="0"/>
+              <a:rPr lang="en-US"/>
               <a:t>Fourth level</a:t>
             </a:r>
           </a:p>
           <a:p>
             <a:pPr lvl="4"/>
             <a:r>
-              <a:rPr lang="en-US" smtClean="0"/>
+              <a:rPr lang="en-US"/>
               <a:t>Fifth level</a:t>
             </a:r>
             <a:endParaRPr lang="de-CH"/>
@@ -594,7 +598,7 @@
           <a:p>
             <a:fld id="{590CA38B-E4D6-4204-9F38-FC952F977C01}" type="datetimeFigureOut">
               <a:rPr lang="de-CH" smtClean="0"/>
-              <a:t>05.12.2017</a:t>
+              <a:t>06.12.2017</a:t>
             </a:fld>
             <a:endParaRPr lang="de-CH"/>
           </a:p>
@@ -636,7 +640,7 @@
           <a:p>
             <a:fld id="{6DD48726-7B78-4323-A94E-E577AA0E0A6F}" type="slidenum">
               <a:rPr lang="de-CH" smtClean="0"/>
-              <a:t>‹#›</a:t>
+              <a:t>‹Nr.›</a:t>
             </a:fld>
             <a:endParaRPr lang="de-CH"/>
           </a:p>
@@ -688,7 +692,7 @@
           <a:lstStyle/>
           <a:p>
             <a:r>
-              <a:rPr lang="en-US" smtClean="0"/>
+              <a:rPr lang="en-US"/>
               <a:t>Click to edit Master title style</a:t>
             </a:r>
             <a:endParaRPr lang="de-CH"/>
@@ -712,35 +716,35 @@
           <a:p>
             <a:pPr lvl="0"/>
             <a:r>
-              <a:rPr lang="en-US" smtClean="0"/>
+              <a:rPr lang="en-US"/>
               <a:t>Click to edit Master text styles</a:t>
             </a:r>
           </a:p>
           <a:p>
             <a:pPr lvl="1"/>
             <a:r>
-              <a:rPr lang="en-US" smtClean="0"/>
+              <a:rPr lang="en-US"/>
               <a:t>Second level</a:t>
             </a:r>
           </a:p>
           <a:p>
             <a:pPr lvl="2"/>
             <a:r>
-              <a:rPr lang="en-US" smtClean="0"/>
+              <a:rPr lang="en-US"/>
               <a:t>Third level</a:t>
             </a:r>
           </a:p>
           <a:p>
             <a:pPr lvl="3"/>
             <a:r>
-              <a:rPr lang="en-US" smtClean="0"/>
+              <a:rPr lang="en-US"/>
               <a:t>Fourth level</a:t>
             </a:r>
           </a:p>
           <a:p>
             <a:pPr lvl="4"/>
             <a:r>
-              <a:rPr lang="en-US" smtClean="0"/>
+              <a:rPr lang="en-US"/>
               <a:t>Fifth level</a:t>
             </a:r>
             <a:endParaRPr lang="de-CH"/>
@@ -764,7 +768,7 @@
           <a:p>
             <a:fld id="{590CA38B-E4D6-4204-9F38-FC952F977C01}" type="datetimeFigureOut">
               <a:rPr lang="de-CH" smtClean="0"/>
-              <a:t>05.12.2017</a:t>
+              <a:t>06.12.2017</a:t>
             </a:fld>
             <a:endParaRPr lang="de-CH"/>
           </a:p>
@@ -806,7 +810,7 @@
           <a:p>
             <a:fld id="{6DD48726-7B78-4323-A94E-E577AA0E0A6F}" type="slidenum">
               <a:rPr lang="de-CH" smtClean="0"/>
-              <a:t>‹#›</a:t>
+              <a:t>‹Nr.›</a:t>
             </a:fld>
             <a:endParaRPr lang="de-CH"/>
           </a:p>
@@ -867,7 +871,7 @@
           </a:lstStyle>
           <a:p>
             <a:r>
-              <a:rPr lang="en-US" smtClean="0"/>
+              <a:rPr lang="en-US"/>
               <a:t>Click to edit Master title style</a:t>
             </a:r>
             <a:endParaRPr lang="de-CH"/>
@@ -987,7 +991,7 @@
           <a:p>
             <a:pPr lvl="0"/>
             <a:r>
-              <a:rPr lang="en-US" smtClean="0"/>
+              <a:rPr lang="en-US"/>
               <a:t>Click to edit Master text styles</a:t>
             </a:r>
           </a:p>
@@ -1010,7 +1014,7 @@
           <a:p>
             <a:fld id="{590CA38B-E4D6-4204-9F38-FC952F977C01}" type="datetimeFigureOut">
               <a:rPr lang="de-CH" smtClean="0"/>
-              <a:t>05.12.2017</a:t>
+              <a:t>06.12.2017</a:t>
             </a:fld>
             <a:endParaRPr lang="de-CH"/>
           </a:p>
@@ -1052,7 +1056,7 @@
           <a:p>
             <a:fld id="{6DD48726-7B78-4323-A94E-E577AA0E0A6F}" type="slidenum">
               <a:rPr lang="de-CH" smtClean="0"/>
-              <a:t>‹#›</a:t>
+              <a:t>‹Nr.›</a:t>
             </a:fld>
             <a:endParaRPr lang="de-CH"/>
           </a:p>
@@ -1104,7 +1108,7 @@
           <a:lstStyle/>
           <a:p>
             <a:r>
-              <a:rPr lang="en-US" smtClean="0"/>
+              <a:rPr lang="en-US"/>
               <a:t>Click to edit Master title style</a:t>
             </a:r>
             <a:endParaRPr lang="de-CH"/>
@@ -1133,35 +1137,35 @@
           <a:p>
             <a:pPr lvl="0"/>
             <a:r>
-              <a:rPr lang="en-US" smtClean="0"/>
+              <a:rPr lang="en-US"/>
               <a:t>Click to edit Master text styles</a:t>
             </a:r>
           </a:p>
           <a:p>
             <a:pPr lvl="1"/>
             <a:r>
-              <a:rPr lang="en-US" smtClean="0"/>
+              <a:rPr lang="en-US"/>
               <a:t>Second level</a:t>
             </a:r>
           </a:p>
           <a:p>
             <a:pPr lvl="2"/>
             <a:r>
-              <a:rPr lang="en-US" smtClean="0"/>
+              <a:rPr lang="en-US"/>
               <a:t>Third level</a:t>
             </a:r>
           </a:p>
           <a:p>
             <a:pPr lvl="3"/>
             <a:r>
-              <a:rPr lang="en-US" smtClean="0"/>
+              <a:rPr lang="en-US"/>
               <a:t>Fourth level</a:t>
             </a:r>
           </a:p>
           <a:p>
             <a:pPr lvl="4"/>
             <a:r>
-              <a:rPr lang="en-US" smtClean="0"/>
+              <a:rPr lang="en-US"/>
               <a:t>Fifth level</a:t>
             </a:r>
             <a:endParaRPr lang="de-CH"/>
@@ -1190,35 +1194,35 @@
           <a:p>
             <a:pPr lvl="0"/>
             <a:r>
-              <a:rPr lang="en-US" smtClean="0"/>
+              <a:rPr lang="en-US"/>
               <a:t>Click to edit Master text styles</a:t>
             </a:r>
           </a:p>
           <a:p>
             <a:pPr lvl="1"/>
             <a:r>
-              <a:rPr lang="en-US" smtClean="0"/>
+              <a:rPr lang="en-US"/>
               <a:t>Second level</a:t>
             </a:r>
           </a:p>
           <a:p>
             <a:pPr lvl="2"/>
             <a:r>
-              <a:rPr lang="en-US" smtClean="0"/>
+              <a:rPr lang="en-US"/>
               <a:t>Third level</a:t>
             </a:r>
           </a:p>
           <a:p>
             <a:pPr lvl="3"/>
             <a:r>
-              <a:rPr lang="en-US" smtClean="0"/>
+              <a:rPr lang="en-US"/>
               <a:t>Fourth level</a:t>
             </a:r>
           </a:p>
           <a:p>
             <a:pPr lvl="4"/>
             <a:r>
-              <a:rPr lang="en-US" smtClean="0"/>
+              <a:rPr lang="en-US"/>
               <a:t>Fifth level</a:t>
             </a:r>
             <a:endParaRPr lang="de-CH"/>
@@ -1242,7 +1246,7 @@
           <a:p>
             <a:fld id="{590CA38B-E4D6-4204-9F38-FC952F977C01}" type="datetimeFigureOut">
               <a:rPr lang="de-CH" smtClean="0"/>
-              <a:t>05.12.2017</a:t>
+              <a:t>06.12.2017</a:t>
             </a:fld>
             <a:endParaRPr lang="de-CH"/>
           </a:p>
@@ -1284,7 +1288,7 @@
           <a:p>
             <a:fld id="{6DD48726-7B78-4323-A94E-E577AA0E0A6F}" type="slidenum">
               <a:rPr lang="de-CH" smtClean="0"/>
-              <a:t>‹#›</a:t>
+              <a:t>‹Nr.›</a:t>
             </a:fld>
             <a:endParaRPr lang="de-CH"/>
           </a:p>
@@ -1341,7 +1345,7 @@
           <a:lstStyle/>
           <a:p>
             <a:r>
-              <a:rPr lang="en-US" smtClean="0"/>
+              <a:rPr lang="en-US"/>
               <a:t>Click to edit Master title style</a:t>
             </a:r>
             <a:endParaRPr lang="de-CH"/>
@@ -1407,7 +1411,7 @@
           <a:p>
             <a:pPr lvl="0"/>
             <a:r>
-              <a:rPr lang="en-US" smtClean="0"/>
+              <a:rPr lang="en-US"/>
               <a:t>Click to edit Master text styles</a:t>
             </a:r>
           </a:p>
@@ -1435,35 +1439,35 @@
           <a:p>
             <a:pPr lvl="0"/>
             <a:r>
-              <a:rPr lang="en-US" smtClean="0"/>
+              <a:rPr lang="en-US"/>
               <a:t>Click to edit Master text styles</a:t>
             </a:r>
           </a:p>
           <a:p>
             <a:pPr lvl="1"/>
             <a:r>
-              <a:rPr lang="en-US" smtClean="0"/>
+              <a:rPr lang="en-US"/>
               <a:t>Second level</a:t>
             </a:r>
           </a:p>
           <a:p>
             <a:pPr lvl="2"/>
             <a:r>
-              <a:rPr lang="en-US" smtClean="0"/>
+              <a:rPr lang="en-US"/>
               <a:t>Third level</a:t>
             </a:r>
           </a:p>
           <a:p>
             <a:pPr lvl="3"/>
             <a:r>
-              <a:rPr lang="en-US" smtClean="0"/>
+              <a:rPr lang="en-US"/>
               <a:t>Fourth level</a:t>
             </a:r>
           </a:p>
           <a:p>
             <a:pPr lvl="4"/>
             <a:r>
-              <a:rPr lang="en-US" smtClean="0"/>
+              <a:rPr lang="en-US"/>
               <a:t>Fifth level</a:t>
             </a:r>
             <a:endParaRPr lang="de-CH"/>
@@ -1529,7 +1533,7 @@
           <a:p>
             <a:pPr lvl="0"/>
             <a:r>
-              <a:rPr lang="en-US" smtClean="0"/>
+              <a:rPr lang="en-US"/>
               <a:t>Click to edit Master text styles</a:t>
             </a:r>
           </a:p>
@@ -1557,35 +1561,35 @@
           <a:p>
             <a:pPr lvl="0"/>
             <a:r>
-              <a:rPr lang="en-US" smtClean="0"/>
+              <a:rPr lang="en-US"/>
               <a:t>Click to edit Master text styles</a:t>
             </a:r>
           </a:p>
           <a:p>
             <a:pPr lvl="1"/>
             <a:r>
-              <a:rPr lang="en-US" smtClean="0"/>
+              <a:rPr lang="en-US"/>
               <a:t>Second level</a:t>
             </a:r>
           </a:p>
           <a:p>
             <a:pPr lvl="2"/>
             <a:r>
-              <a:rPr lang="en-US" smtClean="0"/>
+              <a:rPr lang="en-US"/>
               <a:t>Third level</a:t>
             </a:r>
           </a:p>
           <a:p>
             <a:pPr lvl="3"/>
             <a:r>
-              <a:rPr lang="en-US" smtClean="0"/>
+              <a:rPr lang="en-US"/>
               <a:t>Fourth level</a:t>
             </a:r>
           </a:p>
           <a:p>
             <a:pPr lvl="4"/>
             <a:r>
-              <a:rPr lang="en-US" smtClean="0"/>
+              <a:rPr lang="en-US"/>
               <a:t>Fifth level</a:t>
             </a:r>
             <a:endParaRPr lang="de-CH"/>
@@ -1609,7 +1613,7 @@
           <a:p>
             <a:fld id="{590CA38B-E4D6-4204-9F38-FC952F977C01}" type="datetimeFigureOut">
               <a:rPr lang="de-CH" smtClean="0"/>
-              <a:t>05.12.2017</a:t>
+              <a:t>06.12.2017</a:t>
             </a:fld>
             <a:endParaRPr lang="de-CH"/>
           </a:p>
@@ -1651,7 +1655,7 @@
           <a:p>
             <a:fld id="{6DD48726-7B78-4323-A94E-E577AA0E0A6F}" type="slidenum">
               <a:rPr lang="de-CH" smtClean="0"/>
-              <a:t>‹#›</a:t>
+              <a:t>‹Nr.›</a:t>
             </a:fld>
             <a:endParaRPr lang="de-CH"/>
           </a:p>
@@ -1703,7 +1707,7 @@
           <a:lstStyle/>
           <a:p>
             <a:r>
-              <a:rPr lang="en-US" smtClean="0"/>
+              <a:rPr lang="en-US"/>
               <a:t>Click to edit Master title style</a:t>
             </a:r>
             <a:endParaRPr lang="de-CH"/>
@@ -1727,7 +1731,7 @@
           <a:p>
             <a:fld id="{590CA38B-E4D6-4204-9F38-FC952F977C01}" type="datetimeFigureOut">
               <a:rPr lang="de-CH" smtClean="0"/>
-              <a:t>05.12.2017</a:t>
+              <a:t>06.12.2017</a:t>
             </a:fld>
             <a:endParaRPr lang="de-CH"/>
           </a:p>
@@ -1769,7 +1773,7 @@
           <a:p>
             <a:fld id="{6DD48726-7B78-4323-A94E-E577AA0E0A6F}" type="slidenum">
               <a:rPr lang="de-CH" smtClean="0"/>
-              <a:t>‹#›</a:t>
+              <a:t>‹Nr.›</a:t>
             </a:fld>
             <a:endParaRPr lang="de-CH"/>
           </a:p>
@@ -1822,7 +1826,7 @@
           <a:p>
             <a:fld id="{590CA38B-E4D6-4204-9F38-FC952F977C01}" type="datetimeFigureOut">
               <a:rPr lang="de-CH" smtClean="0"/>
-              <a:t>05.12.2017</a:t>
+              <a:t>06.12.2017</a:t>
             </a:fld>
             <a:endParaRPr lang="de-CH"/>
           </a:p>
@@ -1864,7 +1868,7 @@
           <a:p>
             <a:fld id="{6DD48726-7B78-4323-A94E-E577AA0E0A6F}" type="slidenum">
               <a:rPr lang="de-CH" smtClean="0"/>
-              <a:t>‹#›</a:t>
+              <a:t>‹Nr.›</a:t>
             </a:fld>
             <a:endParaRPr lang="de-CH"/>
           </a:p>
@@ -1925,7 +1929,7 @@
           </a:lstStyle>
           <a:p>
             <a:r>
-              <a:rPr lang="en-US" smtClean="0"/>
+              <a:rPr lang="en-US"/>
               <a:t>Click to edit Master title style</a:t>
             </a:r>
             <a:endParaRPr lang="de-CH"/>
@@ -1982,35 +1986,35 @@
           <a:p>
             <a:pPr lvl="0"/>
             <a:r>
-              <a:rPr lang="en-US" smtClean="0"/>
+              <a:rPr lang="en-US"/>
               <a:t>Click to edit Master text styles</a:t>
             </a:r>
           </a:p>
           <a:p>
             <a:pPr lvl="1"/>
             <a:r>
-              <a:rPr lang="en-US" smtClean="0"/>
+              <a:rPr lang="en-US"/>
               <a:t>Second level</a:t>
             </a:r>
           </a:p>
           <a:p>
             <a:pPr lvl="2"/>
             <a:r>
-              <a:rPr lang="en-US" smtClean="0"/>
+              <a:rPr lang="en-US"/>
               <a:t>Third level</a:t>
             </a:r>
           </a:p>
           <a:p>
             <a:pPr lvl="3"/>
             <a:r>
-              <a:rPr lang="en-US" smtClean="0"/>
+              <a:rPr lang="en-US"/>
               <a:t>Fourth level</a:t>
             </a:r>
           </a:p>
           <a:p>
             <a:pPr lvl="4"/>
             <a:r>
-              <a:rPr lang="en-US" smtClean="0"/>
+              <a:rPr lang="en-US"/>
               <a:t>Fifth level</a:t>
             </a:r>
             <a:endParaRPr lang="de-CH"/>
@@ -2076,7 +2080,7 @@
           <a:p>
             <a:pPr lvl="0"/>
             <a:r>
-              <a:rPr lang="en-US" smtClean="0"/>
+              <a:rPr lang="en-US"/>
               <a:t>Click to edit Master text styles</a:t>
             </a:r>
           </a:p>
@@ -2099,7 +2103,7 @@
           <a:p>
             <a:fld id="{590CA38B-E4D6-4204-9F38-FC952F977C01}" type="datetimeFigureOut">
               <a:rPr lang="de-CH" smtClean="0"/>
-              <a:t>05.12.2017</a:t>
+              <a:t>06.12.2017</a:t>
             </a:fld>
             <a:endParaRPr lang="de-CH"/>
           </a:p>
@@ -2141,7 +2145,7 @@
           <a:p>
             <a:fld id="{6DD48726-7B78-4323-A94E-E577AA0E0A6F}" type="slidenum">
               <a:rPr lang="de-CH" smtClean="0"/>
-              <a:t>‹#›</a:t>
+              <a:t>‹Nr.›</a:t>
             </a:fld>
             <a:endParaRPr lang="de-CH"/>
           </a:p>
@@ -2202,7 +2206,7 @@
           </a:lstStyle>
           <a:p>
             <a:r>
-              <a:rPr lang="en-US" smtClean="0"/>
+              <a:rPr lang="en-US"/>
               <a:t>Click to edit Master title style</a:t>
             </a:r>
             <a:endParaRPr lang="de-CH"/>
@@ -2329,7 +2333,7 @@
           <a:p>
             <a:pPr lvl="0"/>
             <a:r>
-              <a:rPr lang="en-US" smtClean="0"/>
+              <a:rPr lang="en-US"/>
               <a:t>Click to edit Master text styles</a:t>
             </a:r>
           </a:p>
@@ -2352,7 +2356,7 @@
           <a:p>
             <a:fld id="{590CA38B-E4D6-4204-9F38-FC952F977C01}" type="datetimeFigureOut">
               <a:rPr lang="de-CH" smtClean="0"/>
-              <a:t>05.12.2017</a:t>
+              <a:t>06.12.2017</a:t>
             </a:fld>
             <a:endParaRPr lang="de-CH"/>
           </a:p>
@@ -2394,7 +2398,7 @@
           <a:p>
             <a:fld id="{6DD48726-7B78-4323-A94E-E577AA0E0A6F}" type="slidenum">
               <a:rPr lang="de-CH" smtClean="0"/>
-              <a:t>‹#›</a:t>
+              <a:t>‹Nr.›</a:t>
             </a:fld>
             <a:endParaRPr lang="de-CH"/>
           </a:p>
@@ -2461,7 +2465,7 @@
           <a:lstStyle/>
           <a:p>
             <a:r>
-              <a:rPr lang="en-US" smtClean="0"/>
+              <a:rPr lang="en-US"/>
               <a:t>Click to edit Master title style</a:t>
             </a:r>
             <a:endParaRPr lang="de-CH"/>
@@ -2495,35 +2499,35 @@
           <a:p>
             <a:pPr lvl="0"/>
             <a:r>
-              <a:rPr lang="en-US" smtClean="0"/>
+              <a:rPr lang="en-US"/>
               <a:t>Click to edit Master text styles</a:t>
             </a:r>
           </a:p>
           <a:p>
             <a:pPr lvl="1"/>
             <a:r>
-              <a:rPr lang="en-US" smtClean="0"/>
+              <a:rPr lang="en-US"/>
               <a:t>Second level</a:t>
             </a:r>
           </a:p>
           <a:p>
             <a:pPr lvl="2"/>
             <a:r>
-              <a:rPr lang="en-US" smtClean="0"/>
+              <a:rPr lang="en-US"/>
               <a:t>Third level</a:t>
             </a:r>
           </a:p>
           <a:p>
             <a:pPr lvl="3"/>
             <a:r>
-              <a:rPr lang="en-US" smtClean="0"/>
+              <a:rPr lang="en-US"/>
               <a:t>Fourth level</a:t>
             </a:r>
           </a:p>
           <a:p>
             <a:pPr lvl="4"/>
             <a:r>
-              <a:rPr lang="en-US" smtClean="0"/>
+              <a:rPr lang="en-US"/>
               <a:t>Fifth level</a:t>
             </a:r>
             <a:endParaRPr lang="de-CH"/>
@@ -2565,7 +2569,7 @@
           <a:p>
             <a:fld id="{590CA38B-E4D6-4204-9F38-FC952F977C01}" type="datetimeFigureOut">
               <a:rPr lang="de-CH" smtClean="0"/>
-              <a:t>05.12.2017</a:t>
+              <a:t>06.12.2017</a:t>
             </a:fld>
             <a:endParaRPr lang="de-CH"/>
           </a:p>
@@ -2643,7 +2647,7 @@
           <a:p>
             <a:fld id="{6DD48726-7B78-4323-A94E-E577AA0E0A6F}" type="slidenum">
               <a:rPr lang="de-CH" smtClean="0"/>
-              <a:t>‹#›</a:t>
+              <a:t>‹Nr.›</a:t>
             </a:fld>
             <a:endParaRPr lang="de-CH"/>
           </a:p>
@@ -3333,7 +3337,7 @@
             <a:lstStyle/>
             <a:p>
               <a:r>
-                <a:rPr lang="de-CH" dirty="0" smtClean="0">
+                <a:rPr lang="de-CH" dirty="0">
                   <a:solidFill>
                     <a:schemeClr val="bg1"/>
                   </a:solidFill>
@@ -3343,7 +3347,7 @@
             </a:p>
             <a:p>
               <a:r>
-                <a:rPr lang="de-CH" dirty="0" smtClean="0">
+                <a:rPr lang="de-CH" dirty="0">
                   <a:solidFill>
                     <a:schemeClr val="bg1"/>
                   </a:solidFill>
@@ -3353,7 +3357,7 @@
             </a:p>
             <a:p>
               <a:r>
-                <a:rPr lang="de-CH" dirty="0" smtClean="0">
+                <a:rPr lang="de-CH" dirty="0">
                   <a:solidFill>
                     <a:schemeClr val="bg1"/>
                   </a:solidFill>
@@ -3363,18 +3367,13 @@
             </a:p>
             <a:p>
               <a:r>
-                <a:rPr lang="de-CH" dirty="0" smtClean="0">
+                <a:rPr lang="de-CH" dirty="0">
                   <a:solidFill>
                     <a:schemeClr val="bg1"/>
                   </a:solidFill>
                 </a:rPr>
                 <a:t>Ablaufdatum:</a:t>
               </a:r>
-              <a:endParaRPr lang="de-CH" dirty="0">
-                <a:solidFill>
-                  <a:schemeClr val="bg1"/>
-                </a:solidFill>
-              </a:endParaRPr>
             </a:p>
           </p:txBody>
         </p:sp>
@@ -3401,7 +3400,7 @@
             <a:lstStyle/>
             <a:p>
               <a:r>
-                <a:rPr lang="de-CH" dirty="0" smtClean="0">
+                <a:rPr lang="de-CH" dirty="0">
                   <a:solidFill>
                     <a:schemeClr val="bg1"/>
                   </a:solidFill>
@@ -3411,7 +3410,7 @@
             </a:p>
             <a:p>
               <a:r>
-                <a:rPr lang="de-CH" dirty="0" smtClean="0">
+                <a:rPr lang="de-CH" dirty="0">
                   <a:solidFill>
                     <a:schemeClr val="bg1"/>
                   </a:solidFill>
@@ -3421,7 +3420,7 @@
             </a:p>
             <a:p>
               <a:r>
-                <a:rPr lang="de-CH" dirty="0" smtClean="0">
+                <a:rPr lang="de-CH" dirty="0">
                   <a:solidFill>
                     <a:schemeClr val="bg1"/>
                   </a:solidFill>
@@ -3431,18 +3430,13 @@
             </a:p>
             <a:p>
               <a:r>
-                <a:rPr lang="de-CH" dirty="0" smtClean="0">
+                <a:rPr lang="de-CH" dirty="0">
                   <a:solidFill>
                     <a:schemeClr val="bg1"/>
                   </a:solidFill>
                 </a:rPr>
                 <a:t>17.12.2017</a:t>
               </a:r>
-              <a:endParaRPr lang="de-CH" dirty="0">
-                <a:solidFill>
-                  <a:schemeClr val="bg1"/>
-                </a:solidFill>
-              </a:endParaRPr>
             </a:p>
           </p:txBody>
         </p:sp>
@@ -3492,18 +3486,13 @@
           <a:p>
             <a:pPr algn="ctr"/>
             <a:r>
-              <a:rPr lang="de-CH" dirty="0" smtClean="0">
+              <a:rPr lang="de-CH" dirty="0">
                 <a:solidFill>
                   <a:schemeClr val="tx1"/>
                 </a:solidFill>
               </a:rPr>
               <a:t>Senden</a:t>
             </a:r>
-            <a:endParaRPr lang="de-CH" dirty="0">
-              <a:solidFill>
-                <a:schemeClr val="tx1"/>
-              </a:solidFill>
-            </a:endParaRPr>
           </a:p>
         </p:txBody>
       </p:sp>
@@ -3530,7 +3519,7 @@
           <a:lstStyle/>
           <a:p>
             <a:r>
-              <a:rPr lang="de-CH" dirty="0" smtClean="0">
+              <a:rPr lang="de-CH" dirty="0">
                 <a:solidFill>
                   <a:schemeClr val="bg1"/>
                 </a:solidFill>
@@ -3603,7 +3592,7 @@
           <a:lstStyle/>
           <a:p>
             <a:r>
-              <a:rPr lang="de-CH" dirty="0" smtClean="0">
+              <a:rPr lang="de-CH" dirty="0">
                 <a:solidFill>
                   <a:schemeClr val="bg1"/>
                 </a:solidFill>
@@ -3658,7 +3647,7 @@
           <a:p>
             <a:pPr algn="ctr"/>
             <a:r>
-              <a:rPr lang="de-CH" dirty="0" smtClean="0"/>
+              <a:rPr lang="de-CH" dirty="0"/>
               <a:t>Bereit zum Empfang</a:t>
             </a:r>
           </a:p>
@@ -3709,7 +3698,7 @@
           <a:p>
             <a:pPr algn="ctr"/>
             <a:r>
-              <a:rPr lang="de-CH" dirty="0" smtClean="0"/>
+              <a:rPr lang="de-CH" dirty="0"/>
               <a:t>Teilen</a:t>
             </a:r>
           </a:p>
@@ -3878,7 +3867,7 @@
             <a:lstStyle/>
             <a:p>
               <a:r>
-                <a:rPr lang="de-CH" dirty="0" smtClean="0">
+                <a:rPr lang="de-CH" dirty="0">
                   <a:solidFill>
                     <a:schemeClr val="bg1"/>
                   </a:solidFill>
@@ -3888,7 +3877,7 @@
             </a:p>
             <a:p>
               <a:r>
-                <a:rPr lang="de-CH" dirty="0" smtClean="0">
+                <a:rPr lang="de-CH" dirty="0">
                   <a:solidFill>
                     <a:schemeClr val="bg1"/>
                   </a:solidFill>
@@ -3898,18 +3887,13 @@
             </a:p>
             <a:p>
               <a:r>
-                <a:rPr lang="de-CH" dirty="0" smtClean="0">
+                <a:rPr lang="de-CH" dirty="0">
                   <a:solidFill>
                     <a:schemeClr val="bg1"/>
                   </a:solidFill>
                 </a:rPr>
                 <a:t>Ablaufdatum:</a:t>
               </a:r>
-              <a:endParaRPr lang="de-CH" dirty="0">
-                <a:solidFill>
-                  <a:schemeClr val="bg1"/>
-                </a:solidFill>
-              </a:endParaRPr>
             </a:p>
           </p:txBody>
         </p:sp>
@@ -3936,7 +3920,7 @@
             <a:lstStyle/>
             <a:p>
               <a:r>
-                <a:rPr lang="de-CH" dirty="0" smtClean="0">
+                <a:rPr lang="de-CH" dirty="0">
                   <a:solidFill>
                     <a:schemeClr val="bg1"/>
                   </a:solidFill>
@@ -3946,7 +3930,7 @@
             </a:p>
             <a:p>
               <a:r>
-                <a:rPr lang="de-CH" dirty="0" smtClean="0">
+                <a:rPr lang="de-CH" dirty="0">
                   <a:solidFill>
                     <a:schemeClr val="bg1"/>
                   </a:solidFill>
@@ -3956,18 +3940,13 @@
             </a:p>
             <a:p>
               <a:r>
-                <a:rPr lang="de-CH" dirty="0" smtClean="0">
+                <a:rPr lang="de-CH" dirty="0">
                   <a:solidFill>
                     <a:schemeClr val="bg1"/>
                   </a:solidFill>
                 </a:rPr>
                 <a:t>17.12.2017</a:t>
               </a:r>
-              <a:endParaRPr lang="de-CH" dirty="0">
-                <a:solidFill>
-                  <a:schemeClr val="bg1"/>
-                </a:solidFill>
-              </a:endParaRPr>
             </a:p>
           </p:txBody>
         </p:sp>
@@ -4017,10 +3996,9 @@
           <a:p>
             <a:pPr algn="ctr"/>
             <a:r>
-              <a:rPr lang="de-CH" dirty="0" smtClean="0"/>
+              <a:rPr lang="de-CH" dirty="0"/>
               <a:t>Empfangen</a:t>
             </a:r>
-            <a:endParaRPr lang="de-CH" dirty="0"/>
           </a:p>
         </p:txBody>
       </p:sp>
@@ -4526,7 +4504,7 @@
             <a:lstStyle/>
             <a:p>
               <a:r>
-                <a:rPr lang="de-CH" dirty="0" smtClean="0">
+                <a:rPr lang="de-CH" dirty="0">
                   <a:ln w="0"/>
                   <a:effectLst>
                     <a:outerShdw blurRad="38100" dist="19050" dir="2700000" algn="tl" rotWithShape="0">
@@ -4541,7 +4519,7 @@
             </a:p>
             <a:p>
               <a:r>
-                <a:rPr lang="de-CH" dirty="0" smtClean="0">
+                <a:rPr lang="de-CH" dirty="0">
                   <a:ln w="0"/>
                   <a:effectLst>
                     <a:outerShdw blurRad="38100" dist="19050" dir="2700000" algn="tl" rotWithShape="0">
@@ -4556,7 +4534,7 @@
             </a:p>
             <a:p>
               <a:r>
-                <a:rPr lang="de-CH" dirty="0" smtClean="0">
+                <a:rPr lang="de-CH" dirty="0">
                   <a:ln w="0"/>
                   <a:effectLst>
                     <a:outerShdw blurRad="38100" dist="19050" dir="2700000" algn="tl" rotWithShape="0">
@@ -4571,7 +4549,7 @@
             </a:p>
             <a:p>
               <a:r>
-                <a:rPr lang="de-CH" dirty="0" smtClean="0">
+                <a:rPr lang="de-CH" dirty="0">
                   <a:ln w="0"/>
                   <a:effectLst>
                     <a:outerShdw blurRad="38100" dist="19050" dir="2700000" algn="tl" rotWithShape="0">
@@ -4583,16 +4561,6 @@
                 </a:rPr>
                 <a:t>Ablaufdatum:</a:t>
               </a:r>
-              <a:endParaRPr lang="de-CH" dirty="0">
-                <a:ln w="0"/>
-                <a:effectLst>
-                  <a:outerShdw blurRad="38100" dist="19050" dir="2700000" algn="tl" rotWithShape="0">
-                    <a:schemeClr val="dk1">
-                      <a:alpha val="40000"/>
-                    </a:schemeClr>
-                  </a:outerShdw>
-                </a:effectLst>
-              </a:endParaRPr>
             </a:p>
           </p:txBody>
         </p:sp>
@@ -4619,7 +4587,7 @@
             <a:lstStyle/>
             <a:p>
               <a:r>
-                <a:rPr lang="de-CH" dirty="0" smtClean="0">
+                <a:rPr lang="de-CH" dirty="0">
                   <a:ln w="0"/>
                   <a:effectLst>
                     <a:outerShdw blurRad="38100" dist="19050" dir="2700000" algn="tl" rotWithShape="0">
@@ -4634,7 +4602,7 @@
             </a:p>
             <a:p>
               <a:r>
-                <a:rPr lang="de-CH" dirty="0" smtClean="0">
+                <a:rPr lang="de-CH" dirty="0">
                   <a:ln w="0"/>
                   <a:effectLst>
                     <a:outerShdw blurRad="38100" dist="19050" dir="2700000" algn="tl" rotWithShape="0">
@@ -4649,7 +4617,7 @@
             </a:p>
             <a:p>
               <a:r>
-                <a:rPr lang="de-CH" dirty="0" smtClean="0">
+                <a:rPr lang="de-CH" dirty="0">
                   <a:ln w="0"/>
                   <a:effectLst>
                     <a:outerShdw blurRad="38100" dist="19050" dir="2700000" algn="tl" rotWithShape="0">
@@ -4664,7 +4632,7 @@
             </a:p>
             <a:p>
               <a:r>
-                <a:rPr lang="de-CH" dirty="0" smtClean="0">
+                <a:rPr lang="de-CH" dirty="0">
                   <a:ln w="0"/>
                   <a:effectLst>
                     <a:outerShdw blurRad="38100" dist="19050" dir="2700000" algn="tl" rotWithShape="0">
@@ -4676,16 +4644,6 @@
                 </a:rPr>
                 <a:t>17.12.2017</a:t>
               </a:r>
-              <a:endParaRPr lang="de-CH" dirty="0">
-                <a:ln w="0"/>
-                <a:effectLst>
-                  <a:outerShdw blurRad="38100" dist="19050" dir="2700000" algn="tl" rotWithShape="0">
-                    <a:schemeClr val="dk1">
-                      <a:alpha val="40000"/>
-                    </a:schemeClr>
-                  </a:outerShdw>
-                </a:effectLst>
-              </a:endParaRPr>
             </a:p>
           </p:txBody>
         </p:sp>
@@ -4735,7 +4693,7 @@
           <a:p>
             <a:pPr algn="ctr"/>
             <a:r>
-              <a:rPr lang="de-CH" dirty="0" smtClean="0">
+              <a:rPr lang="de-CH" dirty="0">
                 <a:ln w="0"/>
                 <a:solidFill>
                   <a:schemeClr val="tx1"/>
@@ -4750,19 +4708,6 @@
               </a:rPr>
               <a:t>Senden</a:t>
             </a:r>
-            <a:endParaRPr lang="de-CH" dirty="0">
-              <a:ln w="0"/>
-              <a:solidFill>
-                <a:schemeClr val="tx1"/>
-              </a:solidFill>
-              <a:effectLst>
-                <a:outerShdw blurRad="38100" dist="19050" dir="2700000" algn="tl" rotWithShape="0">
-                  <a:schemeClr val="dk1">
-                    <a:alpha val="40000"/>
-                  </a:schemeClr>
-                </a:outerShdw>
-              </a:effectLst>
-            </a:endParaRPr>
           </a:p>
         </p:txBody>
       </p:sp>
@@ -4789,7 +4734,7 @@
           <a:lstStyle/>
           <a:p>
             <a:r>
-              <a:rPr lang="de-CH" dirty="0" smtClean="0">
+              <a:rPr lang="de-CH" dirty="0">
                 <a:ln w="0"/>
                 <a:effectLst>
                   <a:outerShdw blurRad="38100" dist="19050" dir="2700000" algn="tl" rotWithShape="0">
@@ -4867,7 +4812,7 @@
           <a:lstStyle/>
           <a:p>
             <a:r>
-              <a:rPr lang="de-CH" dirty="0" smtClean="0">
+              <a:rPr lang="de-CH" dirty="0">
                 <a:ln w="0"/>
                 <a:effectLst>
                   <a:outerShdw blurRad="38100" dist="19050" dir="2700000" algn="tl" rotWithShape="0">
@@ -4927,7 +4872,11 @@
           <a:p>
             <a:pPr algn="ctr"/>
             <a:r>
-              <a:rPr lang="de-CH" dirty="0" smtClean="0"/>
+              <a:rPr lang="de-CH" dirty="0">
+                <a:solidFill>
+                  <a:schemeClr val="tx1"/>
+                </a:solidFill>
+              </a:rPr>
               <a:t>Bereit zum Empfang</a:t>
             </a:r>
           </a:p>
@@ -4978,7 +4927,11 @@
           <a:p>
             <a:pPr algn="ctr"/>
             <a:r>
-              <a:rPr lang="de-CH" dirty="0" smtClean="0"/>
+              <a:rPr lang="de-CH" dirty="0">
+                <a:solidFill>
+                  <a:schemeClr val="tx1"/>
+                </a:solidFill>
+              </a:rPr>
               <a:t>Teilen</a:t>
             </a:r>
           </a:p>
@@ -5152,7 +5105,7 @@
             <a:lstStyle/>
             <a:p>
               <a:r>
-                <a:rPr lang="de-CH" dirty="0" smtClean="0">
+                <a:rPr lang="de-CH" dirty="0">
                   <a:ln w="0"/>
                   <a:effectLst>
                     <a:outerShdw blurRad="38100" dist="19050" dir="2700000" algn="tl" rotWithShape="0">
@@ -5167,7 +5120,7 @@
             </a:p>
             <a:p>
               <a:r>
-                <a:rPr lang="de-CH" dirty="0" smtClean="0">
+                <a:rPr lang="de-CH" dirty="0">
                   <a:ln w="0"/>
                   <a:effectLst>
                     <a:outerShdw blurRad="38100" dist="19050" dir="2700000" algn="tl" rotWithShape="0">
@@ -5182,7 +5135,7 @@
             </a:p>
             <a:p>
               <a:r>
-                <a:rPr lang="de-CH" dirty="0" smtClean="0">
+                <a:rPr lang="de-CH" dirty="0">
                   <a:ln w="0"/>
                   <a:effectLst>
                     <a:outerShdw blurRad="38100" dist="19050" dir="2700000" algn="tl" rotWithShape="0">
@@ -5194,16 +5147,6 @@
                 </a:rPr>
                 <a:t>Ablaufdatum:</a:t>
               </a:r>
-              <a:endParaRPr lang="de-CH" dirty="0">
-                <a:ln w="0"/>
-                <a:effectLst>
-                  <a:outerShdw blurRad="38100" dist="19050" dir="2700000" algn="tl" rotWithShape="0">
-                    <a:schemeClr val="dk1">
-                      <a:alpha val="40000"/>
-                    </a:schemeClr>
-                  </a:outerShdw>
-                </a:effectLst>
-              </a:endParaRPr>
             </a:p>
           </p:txBody>
         </p:sp>
@@ -5230,7 +5173,7 @@
             <a:lstStyle/>
             <a:p>
               <a:r>
-                <a:rPr lang="de-CH" dirty="0" smtClean="0">
+                <a:rPr lang="de-CH" dirty="0">
                   <a:ln w="0"/>
                   <a:effectLst>
                     <a:outerShdw blurRad="38100" dist="19050" dir="2700000" algn="tl" rotWithShape="0">
@@ -5245,7 +5188,7 @@
             </a:p>
             <a:p>
               <a:r>
-                <a:rPr lang="de-CH" dirty="0" smtClean="0">
+                <a:rPr lang="de-CH" dirty="0">
                   <a:ln w="0"/>
                   <a:effectLst>
                     <a:outerShdw blurRad="38100" dist="19050" dir="2700000" algn="tl" rotWithShape="0">
@@ -5260,7 +5203,7 @@
             </a:p>
             <a:p>
               <a:r>
-                <a:rPr lang="de-CH" dirty="0" smtClean="0">
+                <a:rPr lang="de-CH" dirty="0">
                   <a:ln w="0"/>
                   <a:effectLst>
                     <a:outerShdw blurRad="38100" dist="19050" dir="2700000" algn="tl" rotWithShape="0">
@@ -5272,16 +5215,6 @@
                 </a:rPr>
                 <a:t>17.12.2017</a:t>
               </a:r>
-              <a:endParaRPr lang="de-CH" dirty="0">
-                <a:ln w="0"/>
-                <a:effectLst>
-                  <a:outerShdw blurRad="38100" dist="19050" dir="2700000" algn="tl" rotWithShape="0">
-                    <a:schemeClr val="dk1">
-                      <a:alpha val="40000"/>
-                    </a:schemeClr>
-                  </a:outerShdw>
-                </a:effectLst>
-              </a:endParaRPr>
             </a:p>
           </p:txBody>
         </p:sp>
@@ -5331,7 +5264,7 @@
           <a:p>
             <a:pPr algn="ctr"/>
             <a:r>
-              <a:rPr lang="de-CH" dirty="0" smtClean="0">
+              <a:rPr lang="de-CH" dirty="0">
                 <a:ln w="0"/>
                 <a:solidFill>
                   <a:schemeClr val="tx1"/>
@@ -5346,19 +5279,6 @@
               </a:rPr>
               <a:t>Empfangen</a:t>
             </a:r>
-            <a:endParaRPr lang="de-CH" dirty="0">
-              <a:ln w="0"/>
-              <a:solidFill>
-                <a:schemeClr val="tx1"/>
-              </a:solidFill>
-              <a:effectLst>
-                <a:outerShdw blurRad="38100" dist="19050" dir="2700000" algn="tl" rotWithShape="0">
-                  <a:schemeClr val="dk1">
-                    <a:alpha val="40000"/>
-                  </a:schemeClr>
-                </a:outerShdw>
-              </a:effectLst>
-            </a:endParaRPr>
           </a:p>
         </p:txBody>
       </p:sp>
